--- a/Instructions_Pictures/Control/Female/ControPresntation.pptx
+++ b/Instructions_Pictures/Control/Female/ControPresntation.pptx
@@ -201,7 +201,7 @@
           <a:p>
             <a:fld id="{E130F5AB-C98F-4759-9D05-F414FD7B35E1}" type="datetimeFigureOut">
               <a:rPr lang="en-US" smtClean="0"/>
-              <a:t>8/11/2021</a:t>
+              <a:t>2/13/2022</a:t>
             </a:fld>
             <a:endParaRPr lang="en-US"/>
           </a:p>
@@ -599,7 +599,7 @@
           <a:p>
             <a:fld id="{306B59E2-DA6D-487B-96A5-0C8E7410BF99}" type="datetimeFigureOut">
               <a:rPr lang="he-IL" smtClean="0"/>
-              <a:t>ג'/אלול/תשפ"א</a:t>
+              <a:t>י"ב/אדר א/תשפ"ב</a:t>
             </a:fld>
             <a:endParaRPr lang="he-IL"/>
           </a:p>
@@ -769,7 +769,7 @@
           <a:p>
             <a:fld id="{306B59E2-DA6D-487B-96A5-0C8E7410BF99}" type="datetimeFigureOut">
               <a:rPr lang="he-IL" smtClean="0"/>
-              <a:t>ג'/אלול/תשפ"א</a:t>
+              <a:t>י"ב/אדר א/תשפ"ב</a:t>
             </a:fld>
             <a:endParaRPr lang="he-IL"/>
           </a:p>
@@ -949,7 +949,7 @@
           <a:p>
             <a:fld id="{306B59E2-DA6D-487B-96A5-0C8E7410BF99}" type="datetimeFigureOut">
               <a:rPr lang="he-IL" smtClean="0"/>
-              <a:t>ג'/אלול/תשפ"א</a:t>
+              <a:t>י"ב/אדר א/תשפ"ב</a:t>
             </a:fld>
             <a:endParaRPr lang="he-IL"/>
           </a:p>
@@ -1141,7 +1141,7 @@
           <a:p>
             <a:fld id="{4476BBAF-3BF1-4078-A5DF-44D473DCBE61}" type="datetimeFigureOut">
               <a:rPr lang="he-IL" smtClean="0"/>
-              <a:t>ג'/אלול/תשפ"א</a:t>
+              <a:t>י"ב/אדר א/תשפ"ב</a:t>
             </a:fld>
             <a:endParaRPr lang="he-IL"/>
           </a:p>
@@ -1311,7 +1311,7 @@
           <a:p>
             <a:fld id="{4476BBAF-3BF1-4078-A5DF-44D473DCBE61}" type="datetimeFigureOut">
               <a:rPr lang="he-IL" smtClean="0"/>
-              <a:t>ג'/אלול/תשפ"א</a:t>
+              <a:t>י"ב/אדר א/תשפ"ב</a:t>
             </a:fld>
             <a:endParaRPr lang="he-IL"/>
           </a:p>
@@ -1557,7 +1557,7 @@
           <a:p>
             <a:fld id="{4476BBAF-3BF1-4078-A5DF-44D473DCBE61}" type="datetimeFigureOut">
               <a:rPr lang="he-IL" smtClean="0"/>
-              <a:t>ג'/אלול/תשפ"א</a:t>
+              <a:t>י"ב/אדר א/תשפ"ב</a:t>
             </a:fld>
             <a:endParaRPr lang="he-IL"/>
           </a:p>
@@ -1789,7 +1789,7 @@
           <a:p>
             <a:fld id="{4476BBAF-3BF1-4078-A5DF-44D473DCBE61}" type="datetimeFigureOut">
               <a:rPr lang="he-IL" smtClean="0"/>
-              <a:t>ג'/אלול/תשפ"א</a:t>
+              <a:t>י"ב/אדר א/תשפ"ב</a:t>
             </a:fld>
             <a:endParaRPr lang="he-IL"/>
           </a:p>
@@ -2156,7 +2156,7 @@
           <a:p>
             <a:fld id="{4476BBAF-3BF1-4078-A5DF-44D473DCBE61}" type="datetimeFigureOut">
               <a:rPr lang="he-IL" smtClean="0"/>
-              <a:t>ג'/אלול/תשפ"א</a:t>
+              <a:t>י"ב/אדר א/תשפ"ב</a:t>
             </a:fld>
             <a:endParaRPr lang="he-IL"/>
           </a:p>
@@ -2274,7 +2274,7 @@
           <a:p>
             <a:fld id="{4476BBAF-3BF1-4078-A5DF-44D473DCBE61}" type="datetimeFigureOut">
               <a:rPr lang="he-IL" smtClean="0"/>
-              <a:t>ג'/אלול/תשפ"א</a:t>
+              <a:t>י"ב/אדר א/תשפ"ב</a:t>
             </a:fld>
             <a:endParaRPr lang="he-IL"/>
           </a:p>
@@ -2369,7 +2369,7 @@
           <a:p>
             <a:fld id="{4476BBAF-3BF1-4078-A5DF-44D473DCBE61}" type="datetimeFigureOut">
               <a:rPr lang="he-IL" smtClean="0"/>
-              <a:t>ג'/אלול/תשפ"א</a:t>
+              <a:t>י"ב/אדר א/תשפ"ב</a:t>
             </a:fld>
             <a:endParaRPr lang="he-IL"/>
           </a:p>
@@ -2646,7 +2646,7 @@
           <a:p>
             <a:fld id="{4476BBAF-3BF1-4078-A5DF-44D473DCBE61}" type="datetimeFigureOut">
               <a:rPr lang="he-IL" smtClean="0"/>
-              <a:t>ג'/אלול/תשפ"א</a:t>
+              <a:t>י"ב/אדר א/תשפ"ב</a:t>
             </a:fld>
             <a:endParaRPr lang="he-IL"/>
           </a:p>
@@ -2816,7 +2816,7 @@
           <a:p>
             <a:fld id="{306B59E2-DA6D-487B-96A5-0C8E7410BF99}" type="datetimeFigureOut">
               <a:rPr lang="he-IL" smtClean="0"/>
-              <a:t>ג'/אלול/תשפ"א</a:t>
+              <a:t>י"ב/אדר א/תשפ"ב</a:t>
             </a:fld>
             <a:endParaRPr lang="he-IL"/>
           </a:p>
@@ -3069,7 +3069,7 @@
           <a:p>
             <a:fld id="{4476BBAF-3BF1-4078-A5DF-44D473DCBE61}" type="datetimeFigureOut">
               <a:rPr lang="he-IL" smtClean="0"/>
-              <a:t>ג'/אלול/תשפ"א</a:t>
+              <a:t>י"ב/אדר א/תשפ"ב</a:t>
             </a:fld>
             <a:endParaRPr lang="he-IL"/>
           </a:p>
@@ -3239,7 +3239,7 @@
           <a:p>
             <a:fld id="{4476BBAF-3BF1-4078-A5DF-44D473DCBE61}" type="datetimeFigureOut">
               <a:rPr lang="he-IL" smtClean="0"/>
-              <a:t>ג'/אלול/תשפ"א</a:t>
+              <a:t>י"ב/אדר א/תשפ"ב</a:t>
             </a:fld>
             <a:endParaRPr lang="he-IL"/>
           </a:p>
@@ -3419,7 +3419,7 @@
           <a:p>
             <a:fld id="{4476BBAF-3BF1-4078-A5DF-44D473DCBE61}" type="datetimeFigureOut">
               <a:rPr lang="he-IL" smtClean="0"/>
-              <a:t>ג'/אלול/תשפ"א</a:t>
+              <a:t>י"ב/אדר א/תשפ"ב</a:t>
             </a:fld>
             <a:endParaRPr lang="he-IL"/>
           </a:p>
@@ -3665,7 +3665,7 @@
           <a:p>
             <a:fld id="{306B59E2-DA6D-487B-96A5-0C8E7410BF99}" type="datetimeFigureOut">
               <a:rPr lang="he-IL" smtClean="0"/>
-              <a:t>ג'/אלול/תשפ"א</a:t>
+              <a:t>י"ב/אדר א/תשפ"ב</a:t>
             </a:fld>
             <a:endParaRPr lang="he-IL"/>
           </a:p>
@@ -3897,7 +3897,7 @@
           <a:p>
             <a:fld id="{306B59E2-DA6D-487B-96A5-0C8E7410BF99}" type="datetimeFigureOut">
               <a:rPr lang="he-IL" smtClean="0"/>
-              <a:t>ג'/אלול/תשפ"א</a:t>
+              <a:t>י"ב/אדר א/תשפ"ב</a:t>
             </a:fld>
             <a:endParaRPr lang="he-IL"/>
           </a:p>
@@ -4264,7 +4264,7 @@
           <a:p>
             <a:fld id="{306B59E2-DA6D-487B-96A5-0C8E7410BF99}" type="datetimeFigureOut">
               <a:rPr lang="he-IL" smtClean="0"/>
-              <a:t>ג'/אלול/תשפ"א</a:t>
+              <a:t>י"ב/אדר א/תשפ"ב</a:t>
             </a:fld>
             <a:endParaRPr lang="he-IL"/>
           </a:p>
@@ -4382,7 +4382,7 @@
           <a:p>
             <a:fld id="{306B59E2-DA6D-487B-96A5-0C8E7410BF99}" type="datetimeFigureOut">
               <a:rPr lang="he-IL" smtClean="0"/>
-              <a:t>ג'/אלול/תשפ"א</a:t>
+              <a:t>י"ב/אדר א/תשפ"ב</a:t>
             </a:fld>
             <a:endParaRPr lang="he-IL"/>
           </a:p>
@@ -4477,7 +4477,7 @@
           <a:p>
             <a:fld id="{306B59E2-DA6D-487B-96A5-0C8E7410BF99}" type="datetimeFigureOut">
               <a:rPr lang="he-IL" smtClean="0"/>
-              <a:t>ג'/אלול/תשפ"א</a:t>
+              <a:t>י"ב/אדר א/תשפ"ב</a:t>
             </a:fld>
             <a:endParaRPr lang="he-IL"/>
           </a:p>
@@ -4754,7 +4754,7 @@
           <a:p>
             <a:fld id="{306B59E2-DA6D-487B-96A5-0C8E7410BF99}" type="datetimeFigureOut">
               <a:rPr lang="he-IL" smtClean="0"/>
-              <a:t>ג'/אלול/תשפ"א</a:t>
+              <a:t>י"ב/אדר א/תשפ"ב</a:t>
             </a:fld>
             <a:endParaRPr lang="he-IL"/>
           </a:p>
@@ -5007,7 +5007,7 @@
           <a:p>
             <a:fld id="{306B59E2-DA6D-487B-96A5-0C8E7410BF99}" type="datetimeFigureOut">
               <a:rPr lang="he-IL" smtClean="0"/>
-              <a:t>ג'/אלול/תשפ"א</a:t>
+              <a:t>י"ב/אדר א/תשפ"ב</a:t>
             </a:fld>
             <a:endParaRPr lang="he-IL"/>
           </a:p>
@@ -5223,7 +5223,7 @@
           <a:p>
             <a:fld id="{306B59E2-DA6D-487B-96A5-0C8E7410BF99}" type="datetimeFigureOut">
               <a:rPr lang="he-IL" smtClean="0"/>
-              <a:t>ג'/אלול/תשפ"א</a:t>
+              <a:t>י"ב/אדר א/תשפ"ב</a:t>
             </a:fld>
             <a:endParaRPr lang="he-IL"/>
           </a:p>
@@ -5763,7 +5763,7 @@
           <a:p>
             <a:fld id="{4476BBAF-3BF1-4078-A5DF-44D473DCBE61}" type="datetimeFigureOut">
               <a:rPr lang="he-IL" smtClean="0"/>
-              <a:t>ג'/אלול/תשפ"א</a:t>
+              <a:t>י"ב/אדר א/תשפ"ב</a:t>
             </a:fld>
             <a:endParaRPr lang="he-IL"/>
           </a:p>
@@ -8421,7 +8421,34 @@
                 <a:ea typeface="+mn-ea"/>
                 <a:cs typeface="David" panose="020E0502060401010101" pitchFamily="34" charset="-79"/>
               </a:rPr>
-              <a:t>בכל צעד, את מתבקשת ללחוץ על הכפתור המתאים במקלדת בדיוק כפי שעשית קודם – מהר, ומדויק, לפי המרובע המוצגת.</a:t>
+              <a:t>בכל צעד, את מתבקשת ללחוץ על הכפתור המתאים במקלדת בדיוק כפי שעשית קודם – מהר, ומדויק, </a:t>
+            </a:r>
+            <a:r>
+              <a:rPr lang="he-IL" sz="2400">
+                <a:solidFill>
+                  <a:schemeClr val="tx1"/>
+                </a:solidFill>
+                <a:latin typeface="David" panose="020E0502060401010101" pitchFamily="34" charset="-79"/>
+                <a:cs typeface="David" panose="020E0502060401010101" pitchFamily="34" charset="-79"/>
+              </a:rPr>
+              <a:t>לפי כמות הריבועים המלאים המוצגת</a:t>
+            </a:r>
+            <a:r>
+              <a:rPr kumimoji="0" lang="he-IL" sz="2400" b="0" i="0" u="none" strike="noStrike" kern="1200" cap="none" spc="0" normalizeH="0" baseline="0" noProof="0" dirty="0">
+                <a:ln>
+                  <a:noFill/>
+                </a:ln>
+                <a:solidFill>
+                  <a:prstClr val="black"/>
+                </a:solidFill>
+                <a:effectLst/>
+                <a:uLnTx/>
+                <a:uFillTx/>
+                <a:latin typeface="David" panose="020E0502060401010101" pitchFamily="34" charset="-79"/>
+                <a:ea typeface="+mn-ea"/>
+                <a:cs typeface="David" panose="020E0502060401010101" pitchFamily="34" charset="-79"/>
+              </a:rPr>
+              <a:t>.</a:t>
             </a:r>
           </a:p>
           <a:p>
@@ -8740,16 +8767,6 @@
               <a:t>בתירגול</a:t>
             </a:r>
             <a:r>
-              <a:rPr lang="he-IL" sz="2330">
-                <a:solidFill>
-                  <a:prstClr val="black"/>
-                </a:solidFill>
-                <a:latin typeface="David" panose="020E0502060401010101" pitchFamily="34" charset="-79"/>
-                <a:cs typeface="David" panose="020E0502060401010101" pitchFamily="34" charset="-79"/>
-              </a:rPr>
-              <a:t> שמטרתה </a:t>
-            </a:r>
-            <a:r>
               <a:rPr lang="he-IL" sz="2330" dirty="0">
                 <a:solidFill>
                   <a:prstClr val="black"/>
@@ -8757,7 +8774,7 @@
                 <a:latin typeface="David" panose="020E0502060401010101" pitchFamily="34" charset="-79"/>
                 <a:cs typeface="David" panose="020E0502060401010101" pitchFamily="34" charset="-79"/>
               </a:rPr>
-              <a:t>לאמן את הקשב שלך </a:t>
+              <a:t> שמטרתה לאמן את הקשב שלך </a:t>
             </a:r>
             <a:endParaRPr kumimoji="0" lang="he-IL" sz="2330" b="0" i="0" u="none" strike="noStrike" kern="1200" cap="none" spc="0" normalizeH="0" baseline="0" noProof="0" dirty="0">
               <a:ln>
@@ -8794,7 +8811,7 @@
                 <a:latin typeface="David" panose="020E0502060401010101" pitchFamily="34" charset="-79"/>
                 <a:cs typeface="David" panose="020E0502060401010101" pitchFamily="34" charset="-79"/>
               </a:rPr>
-              <a:t>בכל צעד, את מתבקשת ללחוץ על הכפתור המתאים במקלדת בדיוק כפי שעשית קודם – מהר, ומדויק, לפי המרובע המוצגת.</a:t>
+              <a:t>בכל צעד, את מתבקשת ללחוץ על הכפתור המתאים במקלדת בדיוק כפי שעשית קודם – מהר, ומדויק, לפי כמות הריבועים המלאים המוצגת.</a:t>
             </a:r>
           </a:p>
           <a:p>
